--- a/ppt 16-9/1525.轻轻听.pptx
+++ b/ppt 16-9/1525.轻轻听.pptx
@@ -5,7 +5,7 @@
     <p:sldMasterId id="2147483648" r:id="rId1"/>
   </p:sldMasterIdLst>
   <p:sldIdLst>
-    <p:sldId id="3371" r:id="rId2"/>
+    <p:sldId id="3372" r:id="rId2"/>
   </p:sldIdLst>
   <p:sldSz cx="12192000" cy="6858000"/>
   <p:notesSz cx="6858000" cy="9144000"/>
@@ -129,7 +129,7 @@
           <p:cNvPr id="2" name="标题 1">
             <a:extLst>
               <a:ext uri="{FF2B5EF4-FFF2-40B4-BE49-F238E27FC236}">
-                <a16:creationId xmlns:a16="http://schemas.microsoft.com/office/drawing/2014/main" id="{893313C0-5653-E962-A377-0D161081F098}"/>
+                <a16:creationId xmlns:a16="http://schemas.microsoft.com/office/drawing/2014/main" id="{AFD831C2-5C17-0791-C438-8DCD2B36ADAC}"/>
               </a:ext>
             </a:extLst>
           </p:cNvPr>
@@ -166,7 +166,7 @@
           <p:cNvPr id="3" name="副标题 2">
             <a:extLst>
               <a:ext uri="{FF2B5EF4-FFF2-40B4-BE49-F238E27FC236}">
-                <a16:creationId xmlns:a16="http://schemas.microsoft.com/office/drawing/2014/main" id="{8385C3A9-CFAF-871B-B238-9936901A0BEC}"/>
+                <a16:creationId xmlns:a16="http://schemas.microsoft.com/office/drawing/2014/main" id="{4831EFA8-0F33-F0DA-4DE5-936C1FE21D7E}"/>
               </a:ext>
             </a:extLst>
           </p:cNvPr>
@@ -236,7 +236,7 @@
           <p:cNvPr id="4" name="日期占位符 3">
             <a:extLst>
               <a:ext uri="{FF2B5EF4-FFF2-40B4-BE49-F238E27FC236}">
-                <a16:creationId xmlns:a16="http://schemas.microsoft.com/office/drawing/2014/main" id="{03C8F007-D855-EFC2-0358-E1D1B13C9329}"/>
+                <a16:creationId xmlns:a16="http://schemas.microsoft.com/office/drawing/2014/main" id="{8D19B588-D3D4-83E8-C1F1-DA0EC46A12C3}"/>
               </a:ext>
             </a:extLst>
           </p:cNvPr>
@@ -252,7 +252,7 @@
           <a:bodyPr/>
           <a:lstStyle/>
           <a:p>
-            <a:fld id="{56351B86-F5B4-4BC6-A2C1-4D4DFB12C1D3}" type="datetimeFigureOut">
+            <a:fld id="{32C9547F-3188-40AF-85AB-1C7A79C485F7}" type="datetimeFigureOut">
               <a:rPr lang="zh-CN" altLang="en-US" smtClean="0"/>
               <a:t>2024/3/10</a:t>
             </a:fld>
@@ -265,7 +265,7 @@
           <p:cNvPr id="5" name="页脚占位符 4">
             <a:extLst>
               <a:ext uri="{FF2B5EF4-FFF2-40B4-BE49-F238E27FC236}">
-                <a16:creationId xmlns:a16="http://schemas.microsoft.com/office/drawing/2014/main" id="{E0DC4DA8-17FE-C0A8-EDE9-4204301C6389}"/>
+                <a16:creationId xmlns:a16="http://schemas.microsoft.com/office/drawing/2014/main" id="{6C720D95-CFA4-88C2-1A99-DF72995AE115}"/>
               </a:ext>
             </a:extLst>
           </p:cNvPr>
@@ -290,7 +290,7 @@
           <p:cNvPr id="6" name="灯片编号占位符 5">
             <a:extLst>
               <a:ext uri="{FF2B5EF4-FFF2-40B4-BE49-F238E27FC236}">
-                <a16:creationId xmlns:a16="http://schemas.microsoft.com/office/drawing/2014/main" id="{2A2375D0-27C5-03E2-67C7-5E786D572864}"/>
+                <a16:creationId xmlns:a16="http://schemas.microsoft.com/office/drawing/2014/main" id="{248C646E-57D5-B14B-99F6-51B72D7092A8}"/>
               </a:ext>
             </a:extLst>
           </p:cNvPr>
@@ -306,7 +306,7 @@
           <a:bodyPr/>
           <a:lstStyle/>
           <a:p>
-            <a:fld id="{20D9A44C-39DC-44DE-950A-799B1E5837FA}" type="slidenum">
+            <a:fld id="{E237F813-DC90-463D-8F3B-918F005CB76E}" type="slidenum">
               <a:rPr lang="zh-CN" altLang="en-US" smtClean="0"/>
               <a:t>‹#›</a:t>
             </a:fld>
@@ -317,7 +317,7 @@
     </p:spTree>
     <p:extLst>
       <p:ext uri="{BB962C8B-B14F-4D97-AF65-F5344CB8AC3E}">
-        <p14:creationId xmlns:p14="http://schemas.microsoft.com/office/powerpoint/2010/main" val="557312933"/>
+        <p14:creationId xmlns:p14="http://schemas.microsoft.com/office/powerpoint/2010/main" val="609266828"/>
       </p:ext>
     </p:extLst>
   </p:cSld>
@@ -349,7 +349,7 @@
           <p:cNvPr id="2" name="标题 1">
             <a:extLst>
               <a:ext uri="{FF2B5EF4-FFF2-40B4-BE49-F238E27FC236}">
-                <a16:creationId xmlns:a16="http://schemas.microsoft.com/office/drawing/2014/main" id="{20555483-9F78-2116-2A0D-128B13382274}"/>
+                <a16:creationId xmlns:a16="http://schemas.microsoft.com/office/drawing/2014/main" id="{F1FE33EC-57BB-7369-DA31-10927A71F189}"/>
               </a:ext>
             </a:extLst>
           </p:cNvPr>
@@ -377,7 +377,7 @@
           <p:cNvPr id="3" name="竖排文字占位符 2">
             <a:extLst>
               <a:ext uri="{FF2B5EF4-FFF2-40B4-BE49-F238E27FC236}">
-                <a16:creationId xmlns:a16="http://schemas.microsoft.com/office/drawing/2014/main" id="{EFCCDF4A-F100-ABB8-825A-9CDE0DB78356}"/>
+                <a16:creationId xmlns:a16="http://schemas.microsoft.com/office/drawing/2014/main" id="{ECAD76B5-BB49-FDC2-4C6D-3E01750319E2}"/>
               </a:ext>
             </a:extLst>
           </p:cNvPr>
@@ -434,7 +434,7 @@
           <p:cNvPr id="4" name="日期占位符 3">
             <a:extLst>
               <a:ext uri="{FF2B5EF4-FFF2-40B4-BE49-F238E27FC236}">
-                <a16:creationId xmlns:a16="http://schemas.microsoft.com/office/drawing/2014/main" id="{D2754EF1-7192-83CE-42B1-5565EB652996}"/>
+                <a16:creationId xmlns:a16="http://schemas.microsoft.com/office/drawing/2014/main" id="{FEF2EA6B-B34B-A75A-C7DD-BB9A468BAE43}"/>
               </a:ext>
             </a:extLst>
           </p:cNvPr>
@@ -450,7 +450,7 @@
           <a:bodyPr/>
           <a:lstStyle/>
           <a:p>
-            <a:fld id="{56351B86-F5B4-4BC6-A2C1-4D4DFB12C1D3}" type="datetimeFigureOut">
+            <a:fld id="{32C9547F-3188-40AF-85AB-1C7A79C485F7}" type="datetimeFigureOut">
               <a:rPr lang="zh-CN" altLang="en-US" smtClean="0"/>
               <a:t>2024/3/10</a:t>
             </a:fld>
@@ -463,7 +463,7 @@
           <p:cNvPr id="5" name="页脚占位符 4">
             <a:extLst>
               <a:ext uri="{FF2B5EF4-FFF2-40B4-BE49-F238E27FC236}">
-                <a16:creationId xmlns:a16="http://schemas.microsoft.com/office/drawing/2014/main" id="{7D457C55-0EF8-4C45-DE2E-886E110AA489}"/>
+                <a16:creationId xmlns:a16="http://schemas.microsoft.com/office/drawing/2014/main" id="{1B849D84-2B5C-173A-622C-356C0B678649}"/>
               </a:ext>
             </a:extLst>
           </p:cNvPr>
@@ -488,7 +488,7 @@
           <p:cNvPr id="6" name="灯片编号占位符 5">
             <a:extLst>
               <a:ext uri="{FF2B5EF4-FFF2-40B4-BE49-F238E27FC236}">
-                <a16:creationId xmlns:a16="http://schemas.microsoft.com/office/drawing/2014/main" id="{FB7B1859-36B3-AA46-A6A2-4C4619F61AFD}"/>
+                <a16:creationId xmlns:a16="http://schemas.microsoft.com/office/drawing/2014/main" id="{4F88E4ED-47D7-7AF0-D79A-0C80B149D89B}"/>
               </a:ext>
             </a:extLst>
           </p:cNvPr>
@@ -504,7 +504,7 @@
           <a:bodyPr/>
           <a:lstStyle/>
           <a:p>
-            <a:fld id="{20D9A44C-39DC-44DE-950A-799B1E5837FA}" type="slidenum">
+            <a:fld id="{E237F813-DC90-463D-8F3B-918F005CB76E}" type="slidenum">
               <a:rPr lang="zh-CN" altLang="en-US" smtClean="0"/>
               <a:t>‹#›</a:t>
             </a:fld>
@@ -515,7 +515,7 @@
     </p:spTree>
     <p:extLst>
       <p:ext uri="{BB962C8B-B14F-4D97-AF65-F5344CB8AC3E}">
-        <p14:creationId xmlns:p14="http://schemas.microsoft.com/office/powerpoint/2010/main" val="1437460771"/>
+        <p14:creationId xmlns:p14="http://schemas.microsoft.com/office/powerpoint/2010/main" val="1494528264"/>
       </p:ext>
     </p:extLst>
   </p:cSld>
@@ -547,7 +547,7 @@
           <p:cNvPr id="2" name="竖排标题 1">
             <a:extLst>
               <a:ext uri="{FF2B5EF4-FFF2-40B4-BE49-F238E27FC236}">
-                <a16:creationId xmlns:a16="http://schemas.microsoft.com/office/drawing/2014/main" id="{84423E71-DE38-DE09-A58F-34C45DDDC2CA}"/>
+                <a16:creationId xmlns:a16="http://schemas.microsoft.com/office/drawing/2014/main" id="{03F67D26-E396-A4D2-2EC9-7D6D6009ACC8}"/>
               </a:ext>
             </a:extLst>
           </p:cNvPr>
@@ -580,7 +580,7 @@
           <p:cNvPr id="3" name="竖排文字占位符 2">
             <a:extLst>
               <a:ext uri="{FF2B5EF4-FFF2-40B4-BE49-F238E27FC236}">
-                <a16:creationId xmlns:a16="http://schemas.microsoft.com/office/drawing/2014/main" id="{A6B01597-ACEE-2859-4FAD-A0FFE9037E36}"/>
+                <a16:creationId xmlns:a16="http://schemas.microsoft.com/office/drawing/2014/main" id="{C07F7EDC-8E39-55CA-5DDC-D09D03578DEB}"/>
               </a:ext>
             </a:extLst>
           </p:cNvPr>
@@ -642,7 +642,7 @@
           <p:cNvPr id="4" name="日期占位符 3">
             <a:extLst>
               <a:ext uri="{FF2B5EF4-FFF2-40B4-BE49-F238E27FC236}">
-                <a16:creationId xmlns:a16="http://schemas.microsoft.com/office/drawing/2014/main" id="{CA049F4B-240A-2630-2040-E9DA6BC98CA1}"/>
+                <a16:creationId xmlns:a16="http://schemas.microsoft.com/office/drawing/2014/main" id="{5209170E-E887-8702-6180-C70ECC71842F}"/>
               </a:ext>
             </a:extLst>
           </p:cNvPr>
@@ -658,7 +658,7 @@
           <a:bodyPr/>
           <a:lstStyle/>
           <a:p>
-            <a:fld id="{56351B86-F5B4-4BC6-A2C1-4D4DFB12C1D3}" type="datetimeFigureOut">
+            <a:fld id="{32C9547F-3188-40AF-85AB-1C7A79C485F7}" type="datetimeFigureOut">
               <a:rPr lang="zh-CN" altLang="en-US" smtClean="0"/>
               <a:t>2024/3/10</a:t>
             </a:fld>
@@ -671,7 +671,7 @@
           <p:cNvPr id="5" name="页脚占位符 4">
             <a:extLst>
               <a:ext uri="{FF2B5EF4-FFF2-40B4-BE49-F238E27FC236}">
-                <a16:creationId xmlns:a16="http://schemas.microsoft.com/office/drawing/2014/main" id="{10B04E2F-17AB-BB1F-FB95-5CE184462745}"/>
+                <a16:creationId xmlns:a16="http://schemas.microsoft.com/office/drawing/2014/main" id="{7950141D-5928-1FC0-C3C4-4AB646589920}"/>
               </a:ext>
             </a:extLst>
           </p:cNvPr>
@@ -696,7 +696,7 @@
           <p:cNvPr id="6" name="灯片编号占位符 5">
             <a:extLst>
               <a:ext uri="{FF2B5EF4-FFF2-40B4-BE49-F238E27FC236}">
-                <a16:creationId xmlns:a16="http://schemas.microsoft.com/office/drawing/2014/main" id="{8C5213B1-30B1-B700-405E-BFB1A10BB80C}"/>
+                <a16:creationId xmlns:a16="http://schemas.microsoft.com/office/drawing/2014/main" id="{3AB5EC46-E00C-F4FC-F3DD-4465B7B51EF6}"/>
               </a:ext>
             </a:extLst>
           </p:cNvPr>
@@ -712,7 +712,7 @@
           <a:bodyPr/>
           <a:lstStyle/>
           <a:p>
-            <a:fld id="{20D9A44C-39DC-44DE-950A-799B1E5837FA}" type="slidenum">
+            <a:fld id="{E237F813-DC90-463D-8F3B-918F005CB76E}" type="slidenum">
               <a:rPr lang="zh-CN" altLang="en-US" smtClean="0"/>
               <a:t>‹#›</a:t>
             </a:fld>
@@ -723,7 +723,7 @@
     </p:spTree>
     <p:extLst>
       <p:ext uri="{BB962C8B-B14F-4D97-AF65-F5344CB8AC3E}">
-        <p14:creationId xmlns:p14="http://schemas.microsoft.com/office/powerpoint/2010/main" val="1222669065"/>
+        <p14:creationId xmlns:p14="http://schemas.microsoft.com/office/powerpoint/2010/main" val="855730394"/>
       </p:ext>
     </p:extLst>
   </p:cSld>
@@ -755,7 +755,7 @@
           <p:cNvPr id="2" name="标题 1">
             <a:extLst>
               <a:ext uri="{FF2B5EF4-FFF2-40B4-BE49-F238E27FC236}">
-                <a16:creationId xmlns:a16="http://schemas.microsoft.com/office/drawing/2014/main" id="{C1FDBBB4-2DB4-59DD-C871-55A4651E1AF3}"/>
+                <a16:creationId xmlns:a16="http://schemas.microsoft.com/office/drawing/2014/main" id="{CDE736D2-0B0F-C4A4-B237-1880EB5F195F}"/>
               </a:ext>
             </a:extLst>
           </p:cNvPr>
@@ -783,7 +783,7 @@
           <p:cNvPr id="3" name="内容占位符 2">
             <a:extLst>
               <a:ext uri="{FF2B5EF4-FFF2-40B4-BE49-F238E27FC236}">
-                <a16:creationId xmlns:a16="http://schemas.microsoft.com/office/drawing/2014/main" id="{91302836-EBA1-2E51-2499-0481177090B9}"/>
+                <a16:creationId xmlns:a16="http://schemas.microsoft.com/office/drawing/2014/main" id="{498C605C-7A71-BEC1-1DB7-4052B7CE0273}"/>
               </a:ext>
             </a:extLst>
           </p:cNvPr>
@@ -840,7 +840,7 @@
           <p:cNvPr id="4" name="日期占位符 3">
             <a:extLst>
               <a:ext uri="{FF2B5EF4-FFF2-40B4-BE49-F238E27FC236}">
-                <a16:creationId xmlns:a16="http://schemas.microsoft.com/office/drawing/2014/main" id="{5F7F8A75-8309-C4DE-79E3-5CA9AC619A02}"/>
+                <a16:creationId xmlns:a16="http://schemas.microsoft.com/office/drawing/2014/main" id="{FCAC602F-8DF7-C046-5896-F6EBCF0ACE11}"/>
               </a:ext>
             </a:extLst>
           </p:cNvPr>
@@ -856,7 +856,7 @@
           <a:bodyPr/>
           <a:lstStyle/>
           <a:p>
-            <a:fld id="{56351B86-F5B4-4BC6-A2C1-4D4DFB12C1D3}" type="datetimeFigureOut">
+            <a:fld id="{32C9547F-3188-40AF-85AB-1C7A79C485F7}" type="datetimeFigureOut">
               <a:rPr lang="zh-CN" altLang="en-US" smtClean="0"/>
               <a:t>2024/3/10</a:t>
             </a:fld>
@@ -869,7 +869,7 @@
           <p:cNvPr id="5" name="页脚占位符 4">
             <a:extLst>
               <a:ext uri="{FF2B5EF4-FFF2-40B4-BE49-F238E27FC236}">
-                <a16:creationId xmlns:a16="http://schemas.microsoft.com/office/drawing/2014/main" id="{887000D5-11CB-8347-609E-A1A534328C2A}"/>
+                <a16:creationId xmlns:a16="http://schemas.microsoft.com/office/drawing/2014/main" id="{F414DDD9-AC07-7837-DC5C-F22832B88E00}"/>
               </a:ext>
             </a:extLst>
           </p:cNvPr>
@@ -894,7 +894,7 @@
           <p:cNvPr id="6" name="灯片编号占位符 5">
             <a:extLst>
               <a:ext uri="{FF2B5EF4-FFF2-40B4-BE49-F238E27FC236}">
-                <a16:creationId xmlns:a16="http://schemas.microsoft.com/office/drawing/2014/main" id="{B20C1C44-A155-8BB7-CCD8-A56C600D5552}"/>
+                <a16:creationId xmlns:a16="http://schemas.microsoft.com/office/drawing/2014/main" id="{554C1EF2-0130-A02D-318B-ED85C2DF7819}"/>
               </a:ext>
             </a:extLst>
           </p:cNvPr>
@@ -910,7 +910,7 @@
           <a:bodyPr/>
           <a:lstStyle/>
           <a:p>
-            <a:fld id="{20D9A44C-39DC-44DE-950A-799B1E5837FA}" type="slidenum">
+            <a:fld id="{E237F813-DC90-463D-8F3B-918F005CB76E}" type="slidenum">
               <a:rPr lang="zh-CN" altLang="en-US" smtClean="0"/>
               <a:t>‹#›</a:t>
             </a:fld>
@@ -921,7 +921,7 @@
     </p:spTree>
     <p:extLst>
       <p:ext uri="{BB962C8B-B14F-4D97-AF65-F5344CB8AC3E}">
-        <p14:creationId xmlns:p14="http://schemas.microsoft.com/office/powerpoint/2010/main" val="2126706804"/>
+        <p14:creationId xmlns:p14="http://schemas.microsoft.com/office/powerpoint/2010/main" val="223578242"/>
       </p:ext>
     </p:extLst>
   </p:cSld>
@@ -953,7 +953,7 @@
           <p:cNvPr id="2" name="标题 1">
             <a:extLst>
               <a:ext uri="{FF2B5EF4-FFF2-40B4-BE49-F238E27FC236}">
-                <a16:creationId xmlns:a16="http://schemas.microsoft.com/office/drawing/2014/main" id="{BDD24898-F127-467F-654A-244363F70E81}"/>
+                <a16:creationId xmlns:a16="http://schemas.microsoft.com/office/drawing/2014/main" id="{8686C76D-8E00-6585-9C28-9ABEDFEAF905}"/>
               </a:ext>
             </a:extLst>
           </p:cNvPr>
@@ -990,7 +990,7 @@
           <p:cNvPr id="3" name="文本占位符 2">
             <a:extLst>
               <a:ext uri="{FF2B5EF4-FFF2-40B4-BE49-F238E27FC236}">
-                <a16:creationId xmlns:a16="http://schemas.microsoft.com/office/drawing/2014/main" id="{BB9F2016-4931-D335-8BEC-B1DD16CA365F}"/>
+                <a16:creationId xmlns:a16="http://schemas.microsoft.com/office/drawing/2014/main" id="{CD239C19-6EB8-5D9A-2505-5FA1A714197D}"/>
               </a:ext>
             </a:extLst>
           </p:cNvPr>
@@ -1115,7 +1115,7 @@
           <p:cNvPr id="4" name="日期占位符 3">
             <a:extLst>
               <a:ext uri="{FF2B5EF4-FFF2-40B4-BE49-F238E27FC236}">
-                <a16:creationId xmlns:a16="http://schemas.microsoft.com/office/drawing/2014/main" id="{E21A7174-026E-883C-6652-0A4ED38222C1}"/>
+                <a16:creationId xmlns:a16="http://schemas.microsoft.com/office/drawing/2014/main" id="{1F993119-DBCF-C0C2-FA2E-928F99A90052}"/>
               </a:ext>
             </a:extLst>
           </p:cNvPr>
@@ -1131,7 +1131,7 @@
           <a:bodyPr/>
           <a:lstStyle/>
           <a:p>
-            <a:fld id="{56351B86-F5B4-4BC6-A2C1-4D4DFB12C1D3}" type="datetimeFigureOut">
+            <a:fld id="{32C9547F-3188-40AF-85AB-1C7A79C485F7}" type="datetimeFigureOut">
               <a:rPr lang="zh-CN" altLang="en-US" smtClean="0"/>
               <a:t>2024/3/10</a:t>
             </a:fld>
@@ -1144,7 +1144,7 @@
           <p:cNvPr id="5" name="页脚占位符 4">
             <a:extLst>
               <a:ext uri="{FF2B5EF4-FFF2-40B4-BE49-F238E27FC236}">
-                <a16:creationId xmlns:a16="http://schemas.microsoft.com/office/drawing/2014/main" id="{03BB96F6-EC7A-353D-B667-42F106083737}"/>
+                <a16:creationId xmlns:a16="http://schemas.microsoft.com/office/drawing/2014/main" id="{56B10868-E190-992B-AB2E-BDD874ECBEEB}"/>
               </a:ext>
             </a:extLst>
           </p:cNvPr>
@@ -1169,7 +1169,7 @@
           <p:cNvPr id="6" name="灯片编号占位符 5">
             <a:extLst>
               <a:ext uri="{FF2B5EF4-FFF2-40B4-BE49-F238E27FC236}">
-                <a16:creationId xmlns:a16="http://schemas.microsoft.com/office/drawing/2014/main" id="{33208BFE-6182-06F7-D008-C9B0144E00D7}"/>
+                <a16:creationId xmlns:a16="http://schemas.microsoft.com/office/drawing/2014/main" id="{0F5AAC4D-A307-F1F8-EEDF-C82103AA14BC}"/>
               </a:ext>
             </a:extLst>
           </p:cNvPr>
@@ -1185,7 +1185,7 @@
           <a:bodyPr/>
           <a:lstStyle/>
           <a:p>
-            <a:fld id="{20D9A44C-39DC-44DE-950A-799B1E5837FA}" type="slidenum">
+            <a:fld id="{E237F813-DC90-463D-8F3B-918F005CB76E}" type="slidenum">
               <a:rPr lang="zh-CN" altLang="en-US" smtClean="0"/>
               <a:t>‹#›</a:t>
             </a:fld>
@@ -1196,7 +1196,7 @@
     </p:spTree>
     <p:extLst>
       <p:ext uri="{BB962C8B-B14F-4D97-AF65-F5344CB8AC3E}">
-        <p14:creationId xmlns:p14="http://schemas.microsoft.com/office/powerpoint/2010/main" val="1001957426"/>
+        <p14:creationId xmlns:p14="http://schemas.microsoft.com/office/powerpoint/2010/main" val="1643625805"/>
       </p:ext>
     </p:extLst>
   </p:cSld>
@@ -1228,7 +1228,7 @@
           <p:cNvPr id="2" name="标题 1">
             <a:extLst>
               <a:ext uri="{FF2B5EF4-FFF2-40B4-BE49-F238E27FC236}">
-                <a16:creationId xmlns:a16="http://schemas.microsoft.com/office/drawing/2014/main" id="{6D969454-15E7-7328-16BF-E0F78AC340A2}"/>
+                <a16:creationId xmlns:a16="http://schemas.microsoft.com/office/drawing/2014/main" id="{16CF5BB1-9AF5-28BF-D46D-E1BCB7CFECCA}"/>
               </a:ext>
             </a:extLst>
           </p:cNvPr>
@@ -1256,7 +1256,7 @@
           <p:cNvPr id="3" name="内容占位符 2">
             <a:extLst>
               <a:ext uri="{FF2B5EF4-FFF2-40B4-BE49-F238E27FC236}">
-                <a16:creationId xmlns:a16="http://schemas.microsoft.com/office/drawing/2014/main" id="{7D2F1DDE-B989-4FA3-BA3A-D228862B4C7B}"/>
+                <a16:creationId xmlns:a16="http://schemas.microsoft.com/office/drawing/2014/main" id="{9E166B7B-3069-BE7D-741A-C190876DC22F}"/>
               </a:ext>
             </a:extLst>
           </p:cNvPr>
@@ -1318,7 +1318,7 @@
           <p:cNvPr id="4" name="内容占位符 3">
             <a:extLst>
               <a:ext uri="{FF2B5EF4-FFF2-40B4-BE49-F238E27FC236}">
-                <a16:creationId xmlns:a16="http://schemas.microsoft.com/office/drawing/2014/main" id="{41B869AC-4892-74A6-6705-DC80749256E1}"/>
+                <a16:creationId xmlns:a16="http://schemas.microsoft.com/office/drawing/2014/main" id="{2A9B0F3A-E10D-7649-B074-68B1C7EA5B9F}"/>
               </a:ext>
             </a:extLst>
           </p:cNvPr>
@@ -1380,7 +1380,7 @@
           <p:cNvPr id="5" name="日期占位符 4">
             <a:extLst>
               <a:ext uri="{FF2B5EF4-FFF2-40B4-BE49-F238E27FC236}">
-                <a16:creationId xmlns:a16="http://schemas.microsoft.com/office/drawing/2014/main" id="{CE31A48C-75C4-6912-D96B-5E91945B735A}"/>
+                <a16:creationId xmlns:a16="http://schemas.microsoft.com/office/drawing/2014/main" id="{AFA138D1-9B61-F72C-2951-826BEB65E4E6}"/>
               </a:ext>
             </a:extLst>
           </p:cNvPr>
@@ -1396,7 +1396,7 @@
           <a:bodyPr/>
           <a:lstStyle/>
           <a:p>
-            <a:fld id="{56351B86-F5B4-4BC6-A2C1-4D4DFB12C1D3}" type="datetimeFigureOut">
+            <a:fld id="{32C9547F-3188-40AF-85AB-1C7A79C485F7}" type="datetimeFigureOut">
               <a:rPr lang="zh-CN" altLang="en-US" smtClean="0"/>
               <a:t>2024/3/10</a:t>
             </a:fld>
@@ -1409,7 +1409,7 @@
           <p:cNvPr id="6" name="页脚占位符 5">
             <a:extLst>
               <a:ext uri="{FF2B5EF4-FFF2-40B4-BE49-F238E27FC236}">
-                <a16:creationId xmlns:a16="http://schemas.microsoft.com/office/drawing/2014/main" id="{98121B2D-97FA-8EB1-9F30-F017DA50E007}"/>
+                <a16:creationId xmlns:a16="http://schemas.microsoft.com/office/drawing/2014/main" id="{ED9915BF-EE5C-27CF-45A9-D2BCB6E89265}"/>
               </a:ext>
             </a:extLst>
           </p:cNvPr>
@@ -1434,7 +1434,7 @@
           <p:cNvPr id="7" name="灯片编号占位符 6">
             <a:extLst>
               <a:ext uri="{FF2B5EF4-FFF2-40B4-BE49-F238E27FC236}">
-                <a16:creationId xmlns:a16="http://schemas.microsoft.com/office/drawing/2014/main" id="{E6F972AC-45A9-3EB6-57C2-7F426A125B11}"/>
+                <a16:creationId xmlns:a16="http://schemas.microsoft.com/office/drawing/2014/main" id="{17526611-8F09-24E9-7C66-F6CDEE6E72F0}"/>
               </a:ext>
             </a:extLst>
           </p:cNvPr>
@@ -1450,7 +1450,7 @@
           <a:bodyPr/>
           <a:lstStyle/>
           <a:p>
-            <a:fld id="{20D9A44C-39DC-44DE-950A-799B1E5837FA}" type="slidenum">
+            <a:fld id="{E237F813-DC90-463D-8F3B-918F005CB76E}" type="slidenum">
               <a:rPr lang="zh-CN" altLang="en-US" smtClean="0"/>
               <a:t>‹#›</a:t>
             </a:fld>
@@ -1461,7 +1461,7 @@
     </p:spTree>
     <p:extLst>
       <p:ext uri="{BB962C8B-B14F-4D97-AF65-F5344CB8AC3E}">
-        <p14:creationId xmlns:p14="http://schemas.microsoft.com/office/powerpoint/2010/main" val="2579769088"/>
+        <p14:creationId xmlns:p14="http://schemas.microsoft.com/office/powerpoint/2010/main" val="2628346933"/>
       </p:ext>
     </p:extLst>
   </p:cSld>
@@ -1493,7 +1493,7 @@
           <p:cNvPr id="2" name="标题 1">
             <a:extLst>
               <a:ext uri="{FF2B5EF4-FFF2-40B4-BE49-F238E27FC236}">
-                <a16:creationId xmlns:a16="http://schemas.microsoft.com/office/drawing/2014/main" id="{302248EF-E757-83E5-47AA-8013C8659F79}"/>
+                <a16:creationId xmlns:a16="http://schemas.microsoft.com/office/drawing/2014/main" id="{D5213ABF-1D07-198F-5FBA-9F75FE3D7543}"/>
               </a:ext>
             </a:extLst>
           </p:cNvPr>
@@ -1526,7 +1526,7 @@
           <p:cNvPr id="3" name="文本占位符 2">
             <a:extLst>
               <a:ext uri="{FF2B5EF4-FFF2-40B4-BE49-F238E27FC236}">
-                <a16:creationId xmlns:a16="http://schemas.microsoft.com/office/drawing/2014/main" id="{777043CB-256B-88C1-25C6-78F3F5E843B9}"/>
+                <a16:creationId xmlns:a16="http://schemas.microsoft.com/office/drawing/2014/main" id="{E40BB831-4683-D214-F5AF-7B85099502D1}"/>
               </a:ext>
             </a:extLst>
           </p:cNvPr>
@@ -1597,7 +1597,7 @@
           <p:cNvPr id="4" name="内容占位符 3">
             <a:extLst>
               <a:ext uri="{FF2B5EF4-FFF2-40B4-BE49-F238E27FC236}">
-                <a16:creationId xmlns:a16="http://schemas.microsoft.com/office/drawing/2014/main" id="{74A04BFE-910C-0B28-28FB-5A8EF234D70A}"/>
+                <a16:creationId xmlns:a16="http://schemas.microsoft.com/office/drawing/2014/main" id="{089D6423-D354-9688-4B8E-BD5584936629}"/>
               </a:ext>
             </a:extLst>
           </p:cNvPr>
@@ -1659,7 +1659,7 @@
           <p:cNvPr id="5" name="文本占位符 4">
             <a:extLst>
               <a:ext uri="{FF2B5EF4-FFF2-40B4-BE49-F238E27FC236}">
-                <a16:creationId xmlns:a16="http://schemas.microsoft.com/office/drawing/2014/main" id="{A4A8F5A7-5B3C-828D-113E-3890B5658DD1}"/>
+                <a16:creationId xmlns:a16="http://schemas.microsoft.com/office/drawing/2014/main" id="{58123394-23E9-5F6B-9A82-77E27C325D8F}"/>
               </a:ext>
             </a:extLst>
           </p:cNvPr>
@@ -1730,7 +1730,7 @@
           <p:cNvPr id="6" name="内容占位符 5">
             <a:extLst>
               <a:ext uri="{FF2B5EF4-FFF2-40B4-BE49-F238E27FC236}">
-                <a16:creationId xmlns:a16="http://schemas.microsoft.com/office/drawing/2014/main" id="{99A4D060-13C9-34BC-1FB1-CF2E5BC64003}"/>
+                <a16:creationId xmlns:a16="http://schemas.microsoft.com/office/drawing/2014/main" id="{9B6B434E-387B-CD42-2315-C16D13A386F6}"/>
               </a:ext>
             </a:extLst>
           </p:cNvPr>
@@ -1792,7 +1792,7 @@
           <p:cNvPr id="7" name="日期占位符 6">
             <a:extLst>
               <a:ext uri="{FF2B5EF4-FFF2-40B4-BE49-F238E27FC236}">
-                <a16:creationId xmlns:a16="http://schemas.microsoft.com/office/drawing/2014/main" id="{53AC3331-001A-6405-B947-95CDD75AEF12}"/>
+                <a16:creationId xmlns:a16="http://schemas.microsoft.com/office/drawing/2014/main" id="{54B91A38-474F-E88B-D61A-A6D360300CD2}"/>
               </a:ext>
             </a:extLst>
           </p:cNvPr>
@@ -1808,7 +1808,7 @@
           <a:bodyPr/>
           <a:lstStyle/>
           <a:p>
-            <a:fld id="{56351B86-F5B4-4BC6-A2C1-4D4DFB12C1D3}" type="datetimeFigureOut">
+            <a:fld id="{32C9547F-3188-40AF-85AB-1C7A79C485F7}" type="datetimeFigureOut">
               <a:rPr lang="zh-CN" altLang="en-US" smtClean="0"/>
               <a:t>2024/3/10</a:t>
             </a:fld>
@@ -1821,7 +1821,7 @@
           <p:cNvPr id="8" name="页脚占位符 7">
             <a:extLst>
               <a:ext uri="{FF2B5EF4-FFF2-40B4-BE49-F238E27FC236}">
-                <a16:creationId xmlns:a16="http://schemas.microsoft.com/office/drawing/2014/main" id="{F4C23419-33AD-8E2A-810B-31D2E45EF3F9}"/>
+                <a16:creationId xmlns:a16="http://schemas.microsoft.com/office/drawing/2014/main" id="{632F5376-F033-8F52-2D11-0B4CBC0690E5}"/>
               </a:ext>
             </a:extLst>
           </p:cNvPr>
@@ -1846,7 +1846,7 @@
           <p:cNvPr id="9" name="灯片编号占位符 8">
             <a:extLst>
               <a:ext uri="{FF2B5EF4-FFF2-40B4-BE49-F238E27FC236}">
-                <a16:creationId xmlns:a16="http://schemas.microsoft.com/office/drawing/2014/main" id="{888B8B7D-0343-BEA9-AE87-DD48DB876962}"/>
+                <a16:creationId xmlns:a16="http://schemas.microsoft.com/office/drawing/2014/main" id="{FE94F392-28C7-5289-CD55-C7AA5884C9F7}"/>
               </a:ext>
             </a:extLst>
           </p:cNvPr>
@@ -1862,7 +1862,7 @@
           <a:bodyPr/>
           <a:lstStyle/>
           <a:p>
-            <a:fld id="{20D9A44C-39DC-44DE-950A-799B1E5837FA}" type="slidenum">
+            <a:fld id="{E237F813-DC90-463D-8F3B-918F005CB76E}" type="slidenum">
               <a:rPr lang="zh-CN" altLang="en-US" smtClean="0"/>
               <a:t>‹#›</a:t>
             </a:fld>
@@ -1873,7 +1873,7 @@
     </p:spTree>
     <p:extLst>
       <p:ext uri="{BB962C8B-B14F-4D97-AF65-F5344CB8AC3E}">
-        <p14:creationId xmlns:p14="http://schemas.microsoft.com/office/powerpoint/2010/main" val="1435274316"/>
+        <p14:creationId xmlns:p14="http://schemas.microsoft.com/office/powerpoint/2010/main" val="2839842869"/>
       </p:ext>
     </p:extLst>
   </p:cSld>
@@ -1905,7 +1905,7 @@
           <p:cNvPr id="2" name="标题 1">
             <a:extLst>
               <a:ext uri="{FF2B5EF4-FFF2-40B4-BE49-F238E27FC236}">
-                <a16:creationId xmlns:a16="http://schemas.microsoft.com/office/drawing/2014/main" id="{1154D36B-8061-C1F0-A8C2-7A772576A92F}"/>
+                <a16:creationId xmlns:a16="http://schemas.microsoft.com/office/drawing/2014/main" id="{929EECF3-656B-A733-DD51-95070CCBE91E}"/>
               </a:ext>
             </a:extLst>
           </p:cNvPr>
@@ -1933,7 +1933,7 @@
           <p:cNvPr id="3" name="日期占位符 2">
             <a:extLst>
               <a:ext uri="{FF2B5EF4-FFF2-40B4-BE49-F238E27FC236}">
-                <a16:creationId xmlns:a16="http://schemas.microsoft.com/office/drawing/2014/main" id="{357CE607-7C9B-8BA7-264D-A4C0EFDCD1E9}"/>
+                <a16:creationId xmlns:a16="http://schemas.microsoft.com/office/drawing/2014/main" id="{9BC5F666-9103-4E9C-348D-8D18D983182C}"/>
               </a:ext>
             </a:extLst>
           </p:cNvPr>
@@ -1949,7 +1949,7 @@
           <a:bodyPr/>
           <a:lstStyle/>
           <a:p>
-            <a:fld id="{56351B86-F5B4-4BC6-A2C1-4D4DFB12C1D3}" type="datetimeFigureOut">
+            <a:fld id="{32C9547F-3188-40AF-85AB-1C7A79C485F7}" type="datetimeFigureOut">
               <a:rPr lang="zh-CN" altLang="en-US" smtClean="0"/>
               <a:t>2024/3/10</a:t>
             </a:fld>
@@ -1962,7 +1962,7 @@
           <p:cNvPr id="4" name="页脚占位符 3">
             <a:extLst>
               <a:ext uri="{FF2B5EF4-FFF2-40B4-BE49-F238E27FC236}">
-                <a16:creationId xmlns:a16="http://schemas.microsoft.com/office/drawing/2014/main" id="{8F8EBA02-661D-DAD5-5D49-714F3823B324}"/>
+                <a16:creationId xmlns:a16="http://schemas.microsoft.com/office/drawing/2014/main" id="{57E7B229-BE6E-BBD1-BF5E-881C4A6BE1E2}"/>
               </a:ext>
             </a:extLst>
           </p:cNvPr>
@@ -1987,7 +1987,7 @@
           <p:cNvPr id="5" name="灯片编号占位符 4">
             <a:extLst>
               <a:ext uri="{FF2B5EF4-FFF2-40B4-BE49-F238E27FC236}">
-                <a16:creationId xmlns:a16="http://schemas.microsoft.com/office/drawing/2014/main" id="{4F61C00A-6C53-08A4-D40D-041E078EF1DE}"/>
+                <a16:creationId xmlns:a16="http://schemas.microsoft.com/office/drawing/2014/main" id="{2C85538E-B649-BDD2-D98E-5009352567F4}"/>
               </a:ext>
             </a:extLst>
           </p:cNvPr>
@@ -2003,7 +2003,7 @@
           <a:bodyPr/>
           <a:lstStyle/>
           <a:p>
-            <a:fld id="{20D9A44C-39DC-44DE-950A-799B1E5837FA}" type="slidenum">
+            <a:fld id="{E237F813-DC90-463D-8F3B-918F005CB76E}" type="slidenum">
               <a:rPr lang="zh-CN" altLang="en-US" smtClean="0"/>
               <a:t>‹#›</a:t>
             </a:fld>
@@ -2014,7 +2014,7 @@
     </p:spTree>
     <p:extLst>
       <p:ext uri="{BB962C8B-B14F-4D97-AF65-F5344CB8AC3E}">
-        <p14:creationId xmlns:p14="http://schemas.microsoft.com/office/powerpoint/2010/main" val="266496122"/>
+        <p14:creationId xmlns:p14="http://schemas.microsoft.com/office/powerpoint/2010/main" val="2096591669"/>
       </p:ext>
     </p:extLst>
   </p:cSld>
@@ -2046,7 +2046,7 @@
           <p:cNvPr id="2" name="日期占位符 1">
             <a:extLst>
               <a:ext uri="{FF2B5EF4-FFF2-40B4-BE49-F238E27FC236}">
-                <a16:creationId xmlns:a16="http://schemas.microsoft.com/office/drawing/2014/main" id="{EBD22E54-F8CB-12CC-E5AB-DD8199F390D0}"/>
+                <a16:creationId xmlns:a16="http://schemas.microsoft.com/office/drawing/2014/main" id="{CAEAB29B-C05A-2123-C496-44380DED6736}"/>
               </a:ext>
             </a:extLst>
           </p:cNvPr>
@@ -2062,7 +2062,7 @@
           <a:bodyPr/>
           <a:lstStyle/>
           <a:p>
-            <a:fld id="{56351B86-F5B4-4BC6-A2C1-4D4DFB12C1D3}" type="datetimeFigureOut">
+            <a:fld id="{32C9547F-3188-40AF-85AB-1C7A79C485F7}" type="datetimeFigureOut">
               <a:rPr lang="zh-CN" altLang="en-US" smtClean="0"/>
               <a:t>2024/3/10</a:t>
             </a:fld>
@@ -2075,7 +2075,7 @@
           <p:cNvPr id="3" name="页脚占位符 2">
             <a:extLst>
               <a:ext uri="{FF2B5EF4-FFF2-40B4-BE49-F238E27FC236}">
-                <a16:creationId xmlns:a16="http://schemas.microsoft.com/office/drawing/2014/main" id="{2B7E36AE-456E-367C-2982-2C2B8DCB4742}"/>
+                <a16:creationId xmlns:a16="http://schemas.microsoft.com/office/drawing/2014/main" id="{B8737C9B-3EE6-3E4D-99F6-08CC93A6EC3D}"/>
               </a:ext>
             </a:extLst>
           </p:cNvPr>
@@ -2100,7 +2100,7 @@
           <p:cNvPr id="4" name="灯片编号占位符 3">
             <a:extLst>
               <a:ext uri="{FF2B5EF4-FFF2-40B4-BE49-F238E27FC236}">
-                <a16:creationId xmlns:a16="http://schemas.microsoft.com/office/drawing/2014/main" id="{FB25643C-6EE4-0B06-48F4-8304157FDC18}"/>
+                <a16:creationId xmlns:a16="http://schemas.microsoft.com/office/drawing/2014/main" id="{1CA6D281-D4C4-1A04-3480-2069163E6E92}"/>
               </a:ext>
             </a:extLst>
           </p:cNvPr>
@@ -2116,7 +2116,7 @@
           <a:bodyPr/>
           <a:lstStyle/>
           <a:p>
-            <a:fld id="{20D9A44C-39DC-44DE-950A-799B1E5837FA}" type="slidenum">
+            <a:fld id="{E237F813-DC90-463D-8F3B-918F005CB76E}" type="slidenum">
               <a:rPr lang="zh-CN" altLang="en-US" smtClean="0"/>
               <a:t>‹#›</a:t>
             </a:fld>
@@ -2127,7 +2127,7 @@
     </p:spTree>
     <p:extLst>
       <p:ext uri="{BB962C8B-B14F-4D97-AF65-F5344CB8AC3E}">
-        <p14:creationId xmlns:p14="http://schemas.microsoft.com/office/powerpoint/2010/main" val="1629598051"/>
+        <p14:creationId xmlns:p14="http://schemas.microsoft.com/office/powerpoint/2010/main" val="3984210306"/>
       </p:ext>
     </p:extLst>
   </p:cSld>
@@ -2159,7 +2159,7 @@
           <p:cNvPr id="2" name="标题 1">
             <a:extLst>
               <a:ext uri="{FF2B5EF4-FFF2-40B4-BE49-F238E27FC236}">
-                <a16:creationId xmlns:a16="http://schemas.microsoft.com/office/drawing/2014/main" id="{009DEB17-EBF3-894E-31B2-C41C67124E5C}"/>
+                <a16:creationId xmlns:a16="http://schemas.microsoft.com/office/drawing/2014/main" id="{B50FF33B-A7AF-09F5-3CE1-09AC4FA34F14}"/>
               </a:ext>
             </a:extLst>
           </p:cNvPr>
@@ -2196,7 +2196,7 @@
           <p:cNvPr id="3" name="内容占位符 2">
             <a:extLst>
               <a:ext uri="{FF2B5EF4-FFF2-40B4-BE49-F238E27FC236}">
-                <a16:creationId xmlns:a16="http://schemas.microsoft.com/office/drawing/2014/main" id="{4D1286E1-3A29-B6B1-C1EE-F07A62EC19EF}"/>
+                <a16:creationId xmlns:a16="http://schemas.microsoft.com/office/drawing/2014/main" id="{56C17350-FA32-D32B-D528-A4484DE13D08}"/>
               </a:ext>
             </a:extLst>
           </p:cNvPr>
@@ -2286,7 +2286,7 @@
           <p:cNvPr id="4" name="文本占位符 3">
             <a:extLst>
               <a:ext uri="{FF2B5EF4-FFF2-40B4-BE49-F238E27FC236}">
-                <a16:creationId xmlns:a16="http://schemas.microsoft.com/office/drawing/2014/main" id="{57BB98B9-990F-8502-4325-FC6152C55311}"/>
+                <a16:creationId xmlns:a16="http://schemas.microsoft.com/office/drawing/2014/main" id="{7E02C741-5EE8-ABB1-2EA3-BEA80845A1E7}"/>
               </a:ext>
             </a:extLst>
           </p:cNvPr>
@@ -2357,7 +2357,7 @@
           <p:cNvPr id="5" name="日期占位符 4">
             <a:extLst>
               <a:ext uri="{FF2B5EF4-FFF2-40B4-BE49-F238E27FC236}">
-                <a16:creationId xmlns:a16="http://schemas.microsoft.com/office/drawing/2014/main" id="{BC345BF6-996D-8E59-FC98-25FFE31C4726}"/>
+                <a16:creationId xmlns:a16="http://schemas.microsoft.com/office/drawing/2014/main" id="{12A5CA3A-54DF-C8E8-8F62-4AE13AC39E65}"/>
               </a:ext>
             </a:extLst>
           </p:cNvPr>
@@ -2373,7 +2373,7 @@
           <a:bodyPr/>
           <a:lstStyle/>
           <a:p>
-            <a:fld id="{56351B86-F5B4-4BC6-A2C1-4D4DFB12C1D3}" type="datetimeFigureOut">
+            <a:fld id="{32C9547F-3188-40AF-85AB-1C7A79C485F7}" type="datetimeFigureOut">
               <a:rPr lang="zh-CN" altLang="en-US" smtClean="0"/>
               <a:t>2024/3/10</a:t>
             </a:fld>
@@ -2386,7 +2386,7 @@
           <p:cNvPr id="6" name="页脚占位符 5">
             <a:extLst>
               <a:ext uri="{FF2B5EF4-FFF2-40B4-BE49-F238E27FC236}">
-                <a16:creationId xmlns:a16="http://schemas.microsoft.com/office/drawing/2014/main" id="{9EA5D258-0C4F-D8B9-EB7D-058401F6A38E}"/>
+                <a16:creationId xmlns:a16="http://schemas.microsoft.com/office/drawing/2014/main" id="{765D3B5F-6ED2-CD2E-A6A4-4730D5B36818}"/>
               </a:ext>
             </a:extLst>
           </p:cNvPr>
@@ -2411,7 +2411,7 @@
           <p:cNvPr id="7" name="灯片编号占位符 6">
             <a:extLst>
               <a:ext uri="{FF2B5EF4-FFF2-40B4-BE49-F238E27FC236}">
-                <a16:creationId xmlns:a16="http://schemas.microsoft.com/office/drawing/2014/main" id="{DF776BE7-EB1A-B226-917E-7C8477073AF1}"/>
+                <a16:creationId xmlns:a16="http://schemas.microsoft.com/office/drawing/2014/main" id="{F4C96680-75C9-5A0B-CCF3-57A0E87C94B0}"/>
               </a:ext>
             </a:extLst>
           </p:cNvPr>
@@ -2427,7 +2427,7 @@
           <a:bodyPr/>
           <a:lstStyle/>
           <a:p>
-            <a:fld id="{20D9A44C-39DC-44DE-950A-799B1E5837FA}" type="slidenum">
+            <a:fld id="{E237F813-DC90-463D-8F3B-918F005CB76E}" type="slidenum">
               <a:rPr lang="zh-CN" altLang="en-US" smtClean="0"/>
               <a:t>‹#›</a:t>
             </a:fld>
@@ -2438,7 +2438,7 @@
     </p:spTree>
     <p:extLst>
       <p:ext uri="{BB962C8B-B14F-4D97-AF65-F5344CB8AC3E}">
-        <p14:creationId xmlns:p14="http://schemas.microsoft.com/office/powerpoint/2010/main" val="2834886666"/>
+        <p14:creationId xmlns:p14="http://schemas.microsoft.com/office/powerpoint/2010/main" val="2158362843"/>
       </p:ext>
     </p:extLst>
   </p:cSld>
@@ -2470,7 +2470,7 @@
           <p:cNvPr id="2" name="标题 1">
             <a:extLst>
               <a:ext uri="{FF2B5EF4-FFF2-40B4-BE49-F238E27FC236}">
-                <a16:creationId xmlns:a16="http://schemas.microsoft.com/office/drawing/2014/main" id="{7AF13F6E-9695-CF49-40C2-77CA38AEE28E}"/>
+                <a16:creationId xmlns:a16="http://schemas.microsoft.com/office/drawing/2014/main" id="{BA322DCB-3016-FE69-A706-82DC01BE155F}"/>
               </a:ext>
             </a:extLst>
           </p:cNvPr>
@@ -2507,7 +2507,7 @@
           <p:cNvPr id="3" name="图片占位符 2">
             <a:extLst>
               <a:ext uri="{FF2B5EF4-FFF2-40B4-BE49-F238E27FC236}">
-                <a16:creationId xmlns:a16="http://schemas.microsoft.com/office/drawing/2014/main" id="{1851777E-37BE-2DB5-C4D3-2DD4B4E7286A}"/>
+                <a16:creationId xmlns:a16="http://schemas.microsoft.com/office/drawing/2014/main" id="{1DB24880-30B1-A46C-E6D9-45876572698F}"/>
               </a:ext>
             </a:extLst>
           </p:cNvPr>
@@ -2574,7 +2574,7 @@
           <p:cNvPr id="4" name="文本占位符 3">
             <a:extLst>
               <a:ext uri="{FF2B5EF4-FFF2-40B4-BE49-F238E27FC236}">
-                <a16:creationId xmlns:a16="http://schemas.microsoft.com/office/drawing/2014/main" id="{ACAAB0AC-5E0B-6F75-2430-3BD4BD272775}"/>
+                <a16:creationId xmlns:a16="http://schemas.microsoft.com/office/drawing/2014/main" id="{D99DCCC3-0345-076A-14C8-63740C0B37C3}"/>
               </a:ext>
             </a:extLst>
           </p:cNvPr>
@@ -2645,7 +2645,7 @@
           <p:cNvPr id="5" name="日期占位符 4">
             <a:extLst>
               <a:ext uri="{FF2B5EF4-FFF2-40B4-BE49-F238E27FC236}">
-                <a16:creationId xmlns:a16="http://schemas.microsoft.com/office/drawing/2014/main" id="{756DA482-5F55-D976-766B-9B9887FFD0B0}"/>
+                <a16:creationId xmlns:a16="http://schemas.microsoft.com/office/drawing/2014/main" id="{E9BD7A30-24DC-76F0-E42C-E3A6D98EDC8E}"/>
               </a:ext>
             </a:extLst>
           </p:cNvPr>
@@ -2661,7 +2661,7 @@
           <a:bodyPr/>
           <a:lstStyle/>
           <a:p>
-            <a:fld id="{56351B86-F5B4-4BC6-A2C1-4D4DFB12C1D3}" type="datetimeFigureOut">
+            <a:fld id="{32C9547F-3188-40AF-85AB-1C7A79C485F7}" type="datetimeFigureOut">
               <a:rPr lang="zh-CN" altLang="en-US" smtClean="0"/>
               <a:t>2024/3/10</a:t>
             </a:fld>
@@ -2674,7 +2674,7 @@
           <p:cNvPr id="6" name="页脚占位符 5">
             <a:extLst>
               <a:ext uri="{FF2B5EF4-FFF2-40B4-BE49-F238E27FC236}">
-                <a16:creationId xmlns:a16="http://schemas.microsoft.com/office/drawing/2014/main" id="{57CB2A42-322A-65DC-05FD-52BEB18DE607}"/>
+                <a16:creationId xmlns:a16="http://schemas.microsoft.com/office/drawing/2014/main" id="{E48ED3A0-DA2E-A0AC-0A58-0F2730517076}"/>
               </a:ext>
             </a:extLst>
           </p:cNvPr>
@@ -2699,7 +2699,7 @@
           <p:cNvPr id="7" name="灯片编号占位符 6">
             <a:extLst>
               <a:ext uri="{FF2B5EF4-FFF2-40B4-BE49-F238E27FC236}">
-                <a16:creationId xmlns:a16="http://schemas.microsoft.com/office/drawing/2014/main" id="{FC815AA3-43CB-2275-98D1-49875881A8E5}"/>
+                <a16:creationId xmlns:a16="http://schemas.microsoft.com/office/drawing/2014/main" id="{A45C1A73-732C-274F-7534-BF62A670273D}"/>
               </a:ext>
             </a:extLst>
           </p:cNvPr>
@@ -2715,7 +2715,7 @@
           <a:bodyPr/>
           <a:lstStyle/>
           <a:p>
-            <a:fld id="{20D9A44C-39DC-44DE-950A-799B1E5837FA}" type="slidenum">
+            <a:fld id="{E237F813-DC90-463D-8F3B-918F005CB76E}" type="slidenum">
               <a:rPr lang="zh-CN" altLang="en-US" smtClean="0"/>
               <a:t>‹#›</a:t>
             </a:fld>
@@ -2726,7 +2726,7 @@
     </p:spTree>
     <p:extLst>
       <p:ext uri="{BB962C8B-B14F-4D97-AF65-F5344CB8AC3E}">
-        <p14:creationId xmlns:p14="http://schemas.microsoft.com/office/powerpoint/2010/main" val="1953495179"/>
+        <p14:creationId xmlns:p14="http://schemas.microsoft.com/office/powerpoint/2010/main" val="3928695327"/>
       </p:ext>
     </p:extLst>
   </p:cSld>
@@ -2763,7 +2763,7 @@
           <p:cNvPr id="2" name="标题占位符 1">
             <a:extLst>
               <a:ext uri="{FF2B5EF4-FFF2-40B4-BE49-F238E27FC236}">
-                <a16:creationId xmlns:a16="http://schemas.microsoft.com/office/drawing/2014/main" id="{D1289B8A-0024-3A19-D4C6-E41442101E16}"/>
+                <a16:creationId xmlns:a16="http://schemas.microsoft.com/office/drawing/2014/main" id="{9DB063B7-CE61-8E92-F22B-CF60FBFDE1D4}"/>
               </a:ext>
             </a:extLst>
           </p:cNvPr>
@@ -2801,7 +2801,7 @@
           <p:cNvPr id="3" name="文本占位符 2">
             <a:extLst>
               <a:ext uri="{FF2B5EF4-FFF2-40B4-BE49-F238E27FC236}">
-                <a16:creationId xmlns:a16="http://schemas.microsoft.com/office/drawing/2014/main" id="{6A429D7B-9D98-5BF3-6F7D-F9320FE6E8FA}"/>
+                <a16:creationId xmlns:a16="http://schemas.microsoft.com/office/drawing/2014/main" id="{B96F4A84-C8CD-5463-9134-22A91757815F}"/>
               </a:ext>
             </a:extLst>
           </p:cNvPr>
@@ -2868,7 +2868,7 @@
           <p:cNvPr id="4" name="日期占位符 3">
             <a:extLst>
               <a:ext uri="{FF2B5EF4-FFF2-40B4-BE49-F238E27FC236}">
-                <a16:creationId xmlns:a16="http://schemas.microsoft.com/office/drawing/2014/main" id="{19D13AFA-4F25-EB74-7AEA-63C16C42AA1A}"/>
+                <a16:creationId xmlns:a16="http://schemas.microsoft.com/office/drawing/2014/main" id="{28C8483D-F129-3DBF-3BDD-FF0EB32BDFA6}"/>
               </a:ext>
             </a:extLst>
           </p:cNvPr>
@@ -2902,7 +2902,7 @@
             </a:lvl1pPr>
           </a:lstStyle>
           <a:p>
-            <a:fld id="{56351B86-F5B4-4BC6-A2C1-4D4DFB12C1D3}" type="datetimeFigureOut">
+            <a:fld id="{32C9547F-3188-40AF-85AB-1C7A79C485F7}" type="datetimeFigureOut">
               <a:rPr lang="zh-CN" altLang="en-US" smtClean="0"/>
               <a:t>2024/3/10</a:t>
             </a:fld>
@@ -2915,7 +2915,7 @@
           <p:cNvPr id="5" name="页脚占位符 4">
             <a:extLst>
               <a:ext uri="{FF2B5EF4-FFF2-40B4-BE49-F238E27FC236}">
-                <a16:creationId xmlns:a16="http://schemas.microsoft.com/office/drawing/2014/main" id="{1ED4B4A9-5C3C-9131-600B-14B4ED59B8BF}"/>
+                <a16:creationId xmlns:a16="http://schemas.microsoft.com/office/drawing/2014/main" id="{F734CFD2-DDC4-DEA3-A953-AD896A83E51C}"/>
               </a:ext>
             </a:extLst>
           </p:cNvPr>
@@ -2958,7 +2958,7 @@
           <p:cNvPr id="6" name="灯片编号占位符 5">
             <a:extLst>
               <a:ext uri="{FF2B5EF4-FFF2-40B4-BE49-F238E27FC236}">
-                <a16:creationId xmlns:a16="http://schemas.microsoft.com/office/drawing/2014/main" id="{AA3098BC-4EB9-B75B-CBF9-25615295DF2D}"/>
+                <a16:creationId xmlns:a16="http://schemas.microsoft.com/office/drawing/2014/main" id="{8886695D-B87B-7334-A513-DE6951345AEE}"/>
               </a:ext>
             </a:extLst>
           </p:cNvPr>
@@ -2992,7 +2992,7 @@
             </a:lvl1pPr>
           </a:lstStyle>
           <a:p>
-            <a:fld id="{20D9A44C-39DC-44DE-950A-799B1E5837FA}" type="slidenum">
+            <a:fld id="{E237F813-DC90-463D-8F3B-918F005CB76E}" type="slidenum">
               <a:rPr lang="zh-CN" altLang="en-US" smtClean="0"/>
               <a:t>‹#›</a:t>
             </a:fld>
@@ -3003,7 +3003,7 @@
     </p:spTree>
     <p:extLst>
       <p:ext uri="{BB962C8B-B14F-4D97-AF65-F5344CB8AC3E}">
-        <p14:creationId xmlns:p14="http://schemas.microsoft.com/office/powerpoint/2010/main" val="3697796413"/>
+        <p14:creationId xmlns:p14="http://schemas.microsoft.com/office/powerpoint/2010/main" val="1829546367"/>
       </p:ext>
     </p:extLst>
   </p:cSld>
@@ -3323,7 +3323,7 @@
       </p:grpSpPr>
       <p:pic>
         <p:nvPicPr>
-          <p:cNvPr id="1561602" name="Picture 2" descr="1524"/>
+          <p:cNvPr id="1562626" name="Picture 2" descr="1525"/>
           <p:cNvPicPr>
             <a:picLocks noChangeAspect="1" noChangeArrowheads="1"/>
           </p:cNvPicPr>
@@ -3344,8 +3344,8 @@
         </p:blipFill>
         <p:spPr bwMode="auto">
           <a:xfrm>
-            <a:off x="1543050" y="14288"/>
-            <a:ext cx="9124950" cy="6843712"/>
+            <a:off x="1524000" y="0"/>
+            <a:ext cx="9144000" cy="5805488"/>
           </a:xfrm>
           <a:prstGeom prst="rect">
             <a:avLst/>
